--- a/2. JS语法基础/5. 引用类型/新建 Microsoft PowerPoint 演示文稿.pptx
+++ b/2. JS语法基础/5. 引用类型/新建 Microsoft PowerPoint 演示文稿.pptx
@@ -11,6 +11,8 @@
     <p:sldId id="259" r:id="rId5"/>
     <p:sldId id="260" r:id="rId6"/>
     <p:sldId id="261" r:id="rId7"/>
+    <p:sldId id="262" r:id="rId8"/>
+    <p:sldId id="263" r:id="rId9"/>
   </p:sldIdLst>
   <p:sldSz cx="12192000" cy="6858000"/>
   <p:notesSz cx="6858000" cy="9144000"/>
@@ -109,6 +111,11 @@
       </a:defRPr>
     </a:lvl9pPr>
   </p:defaultTextStyle>
+  <p:extLst>
+    <p:ext uri="{EFAFB233-063F-42B5-8137-9DF3F51BA10A}">
+      <p15:sldGuideLst xmlns:p15="http://schemas.microsoft.com/office/powerpoint/2012/main"/>
+    </p:ext>
+  </p:extLst>
 </p:presentation>
 </file>
 
@@ -5811,6 +5818,994 @@
 </p:sld>
 </file>
 
+<file path=ppt/slides/slide7.xml><?xml version="1.0" encoding="utf-8"?>
+<p:sld xmlns:a="http://schemas.openxmlformats.org/drawingml/2006/main" xmlns:r="http://schemas.openxmlformats.org/officeDocument/2006/relationships" xmlns:p="http://schemas.openxmlformats.org/presentationml/2006/main">
+  <p:cSld>
+    <p:spTree>
+      <p:nvGrpSpPr>
+        <p:cNvPr id="1" name=""/>
+        <p:cNvGrpSpPr/>
+        <p:nvPr/>
+      </p:nvGrpSpPr>
+      <p:grpSpPr>
+        <a:xfrm>
+          <a:off x="0" y="0"/>
+          <a:ext cx="0" cy="0"/>
+          <a:chOff x="0" y="0"/>
+          <a:chExt cx="0" cy="0"/>
+        </a:xfrm>
+      </p:grpSpPr>
+      <p:sp>
+        <p:nvSpPr>
+          <p:cNvPr id="5" name="文本框 4">
+            <a:extLst>
+              <a:ext uri="{FF2B5EF4-FFF2-40B4-BE49-F238E27FC236}">
+                <a16:creationId xmlns:a16="http://schemas.microsoft.com/office/drawing/2014/main" id="{3522E5E6-A91D-4291-BBF7-5D824CB61265}"/>
+              </a:ext>
+            </a:extLst>
+          </p:cNvPr>
+          <p:cNvSpPr txBox="1"/>
+          <p:nvPr/>
+        </p:nvSpPr>
+        <p:spPr>
+          <a:xfrm>
+            <a:off x="823274" y="1423289"/>
+            <a:ext cx="1593128" cy="584775"/>
+          </a:xfrm>
+          <a:prstGeom prst="rect">
+            <a:avLst/>
+          </a:prstGeom>
+          <a:noFill/>
+        </p:spPr>
+        <p:txBody>
+          <a:bodyPr wrap="square" rtlCol="0">
+            <a:spAutoFit/>
+          </a:bodyPr>
+          <a:lstStyle/>
+          <a:p>
+            <a:pPr algn="ctr"/>
+            <a:r>
+              <a:rPr lang="en-US" altLang="zh-CN" sz="3200"/>
+              <a:t>obj1</a:t>
+            </a:r>
+            <a:endParaRPr lang="zh-CN" altLang="en-US" sz="3200"/>
+          </a:p>
+        </p:txBody>
+      </p:sp>
+      <p:cxnSp>
+        <p:nvCxnSpPr>
+          <p:cNvPr id="13" name="直接箭头连接符 12">
+            <a:extLst>
+              <a:ext uri="{FF2B5EF4-FFF2-40B4-BE49-F238E27FC236}">
+                <a16:creationId xmlns:a16="http://schemas.microsoft.com/office/drawing/2014/main" id="{CBA93C51-7429-4897-AAD7-6CAD879D43A3}"/>
+              </a:ext>
+            </a:extLst>
+          </p:cNvPr>
+          <p:cNvCxnSpPr>
+            <a:cxnSpLocks/>
+          </p:cNvCxnSpPr>
+          <p:nvPr/>
+        </p:nvCxnSpPr>
+        <p:spPr>
+          <a:xfrm flipV="1">
+            <a:off x="2184859" y="1630837"/>
+            <a:ext cx="2622811" cy="84839"/>
+          </a:xfrm>
+          <a:prstGeom prst="straightConnector1">
+            <a:avLst/>
+          </a:prstGeom>
+          <a:ln w="38100">
+            <a:solidFill>
+              <a:schemeClr val="tx1"/>
+            </a:solidFill>
+            <a:tailEnd type="triangle"/>
+          </a:ln>
+        </p:spPr>
+        <p:style>
+          <a:lnRef idx="1">
+            <a:schemeClr val="accent1"/>
+          </a:lnRef>
+          <a:fillRef idx="0">
+            <a:schemeClr val="accent1"/>
+          </a:fillRef>
+          <a:effectRef idx="0">
+            <a:schemeClr val="accent1"/>
+          </a:effectRef>
+          <a:fontRef idx="minor">
+            <a:schemeClr val="tx1"/>
+          </a:fontRef>
+        </p:style>
+      </p:cxnSp>
+      <p:sp>
+        <p:nvSpPr>
+          <p:cNvPr id="14" name="矩形 13">
+            <a:extLst>
+              <a:ext uri="{FF2B5EF4-FFF2-40B4-BE49-F238E27FC236}">
+                <a16:creationId xmlns:a16="http://schemas.microsoft.com/office/drawing/2014/main" id="{28695129-9599-46E2-A448-5DB04DB47EBC}"/>
+              </a:ext>
+            </a:extLst>
+          </p:cNvPr>
+          <p:cNvSpPr/>
+          <p:nvPr/>
+        </p:nvSpPr>
+        <p:spPr>
+          <a:xfrm>
+            <a:off x="4923939" y="707009"/>
+            <a:ext cx="2551517" cy="2017337"/>
+          </a:xfrm>
+          <a:prstGeom prst="rect">
+            <a:avLst/>
+          </a:prstGeom>
+        </p:spPr>
+        <p:style>
+          <a:lnRef idx="2">
+            <a:schemeClr val="accent1">
+              <a:shade val="50000"/>
+            </a:schemeClr>
+          </a:lnRef>
+          <a:fillRef idx="1">
+            <a:schemeClr val="accent1"/>
+          </a:fillRef>
+          <a:effectRef idx="0">
+            <a:schemeClr val="accent1"/>
+          </a:effectRef>
+          <a:fontRef idx="minor">
+            <a:schemeClr val="lt1"/>
+          </a:fontRef>
+        </p:style>
+        <p:txBody>
+          <a:bodyPr rtlCol="0" anchor="ctr"/>
+          <a:lstStyle/>
+          <a:p>
+            <a:pPr algn="ctr"/>
+            <a:r>
+              <a:rPr lang="en-US" altLang="zh-CN" sz="2400"/>
+              <a:t>a: ”a1”</a:t>
+            </a:r>
+          </a:p>
+          <a:p>
+            <a:pPr algn="ctr"/>
+            <a:r>
+              <a:rPr lang="en-US" altLang="zh-CN" sz="2400"/>
+              <a:t>subObj</a:t>
+            </a:r>
+            <a:endParaRPr lang="zh-CN" altLang="en-US" sz="2400"/>
+          </a:p>
+        </p:txBody>
+      </p:sp>
+      <p:sp>
+        <p:nvSpPr>
+          <p:cNvPr id="12" name="矩形 11">
+            <a:extLst>
+              <a:ext uri="{FF2B5EF4-FFF2-40B4-BE49-F238E27FC236}">
+                <a16:creationId xmlns:a16="http://schemas.microsoft.com/office/drawing/2014/main" id="{4DF7CB65-2F7C-459C-B3CD-67B2F0DB30F4}"/>
+              </a:ext>
+            </a:extLst>
+          </p:cNvPr>
+          <p:cNvSpPr/>
+          <p:nvPr/>
+        </p:nvSpPr>
+        <p:spPr>
+          <a:xfrm>
+            <a:off x="8707234" y="707009"/>
+            <a:ext cx="2551517" cy="2017337"/>
+          </a:xfrm>
+          <a:prstGeom prst="rect">
+            <a:avLst/>
+          </a:prstGeom>
+        </p:spPr>
+        <p:style>
+          <a:lnRef idx="2">
+            <a:schemeClr val="accent1">
+              <a:shade val="50000"/>
+            </a:schemeClr>
+          </a:lnRef>
+          <a:fillRef idx="1">
+            <a:schemeClr val="accent1"/>
+          </a:fillRef>
+          <a:effectRef idx="0">
+            <a:schemeClr val="accent1"/>
+          </a:effectRef>
+          <a:fontRef idx="minor">
+            <a:schemeClr val="lt1"/>
+          </a:fontRef>
+        </p:style>
+        <p:txBody>
+          <a:bodyPr rtlCol="0" anchor="ctr"/>
+          <a:lstStyle/>
+          <a:p>
+            <a:pPr algn="ctr"/>
+            <a:r>
+              <a:rPr lang="en-US" altLang="zh-CN" sz="2400"/>
+              <a:t>prop:”p3”</a:t>
+            </a:r>
+            <a:endParaRPr lang="zh-CN" altLang="en-US" sz="2400"/>
+          </a:p>
+        </p:txBody>
+      </p:sp>
+      <p:cxnSp>
+        <p:nvCxnSpPr>
+          <p:cNvPr id="15" name="直接箭头连接符 14">
+            <a:extLst>
+              <a:ext uri="{FF2B5EF4-FFF2-40B4-BE49-F238E27FC236}">
+                <a16:creationId xmlns:a16="http://schemas.microsoft.com/office/drawing/2014/main" id="{CF2D59B7-7435-4B22-A66B-FBFD6316466E}"/>
+              </a:ext>
+            </a:extLst>
+          </p:cNvPr>
+          <p:cNvCxnSpPr>
+            <a:cxnSpLocks/>
+          </p:cNvCxnSpPr>
+          <p:nvPr/>
+        </p:nvCxnSpPr>
+        <p:spPr>
+          <a:xfrm flipV="1">
+            <a:off x="6935969" y="1753386"/>
+            <a:ext cx="1614142" cy="122548"/>
+          </a:xfrm>
+          <a:prstGeom prst="straightConnector1">
+            <a:avLst/>
+          </a:prstGeom>
+          <a:ln w="38100">
+            <a:solidFill>
+              <a:schemeClr val="tx1"/>
+            </a:solidFill>
+            <a:tailEnd type="triangle"/>
+          </a:ln>
+        </p:spPr>
+        <p:style>
+          <a:lnRef idx="1">
+            <a:schemeClr val="accent1"/>
+          </a:lnRef>
+          <a:fillRef idx="0">
+            <a:schemeClr val="accent1"/>
+          </a:fillRef>
+          <a:effectRef idx="0">
+            <a:schemeClr val="accent1"/>
+          </a:effectRef>
+          <a:fontRef idx="minor">
+            <a:schemeClr val="tx1"/>
+          </a:fontRef>
+        </p:style>
+      </p:cxnSp>
+      <p:sp>
+        <p:nvSpPr>
+          <p:cNvPr id="16" name="文本框 15">
+            <a:extLst>
+              <a:ext uri="{FF2B5EF4-FFF2-40B4-BE49-F238E27FC236}">
+                <a16:creationId xmlns:a16="http://schemas.microsoft.com/office/drawing/2014/main" id="{10917EE3-5DA7-470B-B555-0191C99E2EC6}"/>
+              </a:ext>
+            </a:extLst>
+          </p:cNvPr>
+          <p:cNvSpPr txBox="1"/>
+          <p:nvPr/>
+        </p:nvSpPr>
+        <p:spPr>
+          <a:xfrm>
+            <a:off x="823274" y="4043941"/>
+            <a:ext cx="1593128" cy="584775"/>
+          </a:xfrm>
+          <a:prstGeom prst="rect">
+            <a:avLst/>
+          </a:prstGeom>
+          <a:noFill/>
+        </p:spPr>
+        <p:txBody>
+          <a:bodyPr wrap="square" rtlCol="0">
+            <a:spAutoFit/>
+          </a:bodyPr>
+          <a:lstStyle/>
+          <a:p>
+            <a:pPr algn="ctr"/>
+            <a:r>
+              <a:rPr lang="en-US" altLang="zh-CN" sz="3200"/>
+              <a:t>obj2</a:t>
+            </a:r>
+            <a:endParaRPr lang="zh-CN" altLang="en-US" sz="3200"/>
+          </a:p>
+        </p:txBody>
+      </p:sp>
+      <p:sp>
+        <p:nvSpPr>
+          <p:cNvPr id="18" name="矩形 17">
+            <a:extLst>
+              <a:ext uri="{FF2B5EF4-FFF2-40B4-BE49-F238E27FC236}">
+                <a16:creationId xmlns:a16="http://schemas.microsoft.com/office/drawing/2014/main" id="{E7B1B33F-0B18-400C-B64A-7055C54C80BC}"/>
+              </a:ext>
+            </a:extLst>
+          </p:cNvPr>
+          <p:cNvSpPr/>
+          <p:nvPr/>
+        </p:nvSpPr>
+        <p:spPr>
+          <a:xfrm>
+            <a:off x="4923939" y="3429000"/>
+            <a:ext cx="2551517" cy="2017337"/>
+          </a:xfrm>
+          <a:prstGeom prst="rect">
+            <a:avLst/>
+          </a:prstGeom>
+        </p:spPr>
+        <p:style>
+          <a:lnRef idx="2">
+            <a:schemeClr val="accent1">
+              <a:shade val="50000"/>
+            </a:schemeClr>
+          </a:lnRef>
+          <a:fillRef idx="1">
+            <a:schemeClr val="accent1"/>
+          </a:fillRef>
+          <a:effectRef idx="0">
+            <a:schemeClr val="accent1"/>
+          </a:effectRef>
+          <a:fontRef idx="minor">
+            <a:schemeClr val="lt1"/>
+          </a:fontRef>
+        </p:style>
+        <p:txBody>
+          <a:bodyPr rtlCol="0" anchor="ctr"/>
+          <a:lstStyle/>
+          <a:p>
+            <a:pPr algn="ctr"/>
+            <a:r>
+              <a:rPr lang="en-US" altLang="zh-CN" sz="2400"/>
+              <a:t>a: ”a2”</a:t>
+            </a:r>
+          </a:p>
+          <a:p>
+            <a:pPr algn="ctr"/>
+            <a:r>
+              <a:rPr lang="en-US" altLang="zh-CN" sz="2400"/>
+              <a:t>subObj</a:t>
+            </a:r>
+            <a:endParaRPr lang="zh-CN" altLang="en-US" sz="2400"/>
+          </a:p>
+        </p:txBody>
+      </p:sp>
+      <p:sp>
+        <p:nvSpPr>
+          <p:cNvPr id="21" name="矩形 20">
+            <a:extLst>
+              <a:ext uri="{FF2B5EF4-FFF2-40B4-BE49-F238E27FC236}">
+                <a16:creationId xmlns:a16="http://schemas.microsoft.com/office/drawing/2014/main" id="{32AA4BC1-5702-473E-99D7-0A530FC48463}"/>
+              </a:ext>
+            </a:extLst>
+          </p:cNvPr>
+          <p:cNvSpPr/>
+          <p:nvPr/>
+        </p:nvSpPr>
+        <p:spPr>
+          <a:xfrm>
+            <a:off x="8707234" y="3429000"/>
+            <a:ext cx="2551517" cy="2017337"/>
+          </a:xfrm>
+          <a:prstGeom prst="rect">
+            <a:avLst/>
+          </a:prstGeom>
+        </p:spPr>
+        <p:style>
+          <a:lnRef idx="2">
+            <a:schemeClr val="accent1">
+              <a:shade val="50000"/>
+            </a:schemeClr>
+          </a:lnRef>
+          <a:fillRef idx="1">
+            <a:schemeClr val="accent1"/>
+          </a:fillRef>
+          <a:effectRef idx="0">
+            <a:schemeClr val="accent1"/>
+          </a:effectRef>
+          <a:fontRef idx="minor">
+            <a:schemeClr val="lt1"/>
+          </a:fontRef>
+        </p:style>
+        <p:txBody>
+          <a:bodyPr rtlCol="0" anchor="ctr"/>
+          <a:lstStyle/>
+          <a:p>
+            <a:pPr algn="ctr"/>
+            <a:r>
+              <a:rPr lang="en-US" altLang="zh-CN" sz="2400"/>
+              <a:t>prop:”p2”</a:t>
+            </a:r>
+            <a:endParaRPr lang="zh-CN" altLang="en-US" sz="2400"/>
+          </a:p>
+        </p:txBody>
+      </p:sp>
+      <p:cxnSp>
+        <p:nvCxnSpPr>
+          <p:cNvPr id="24" name="直接箭头连接符 23">
+            <a:extLst>
+              <a:ext uri="{FF2B5EF4-FFF2-40B4-BE49-F238E27FC236}">
+                <a16:creationId xmlns:a16="http://schemas.microsoft.com/office/drawing/2014/main" id="{4F153BA1-F0D1-4080-B135-B4A78E90EA4A}"/>
+              </a:ext>
+            </a:extLst>
+          </p:cNvPr>
+          <p:cNvCxnSpPr>
+            <a:cxnSpLocks/>
+          </p:cNvCxnSpPr>
+          <p:nvPr/>
+        </p:nvCxnSpPr>
+        <p:spPr>
+          <a:xfrm flipV="1">
+            <a:off x="2184859" y="4251489"/>
+            <a:ext cx="2622811" cy="84839"/>
+          </a:xfrm>
+          <a:prstGeom prst="straightConnector1">
+            <a:avLst/>
+          </a:prstGeom>
+          <a:ln w="38100">
+            <a:solidFill>
+              <a:schemeClr val="tx1"/>
+            </a:solidFill>
+            <a:tailEnd type="triangle"/>
+          </a:ln>
+        </p:spPr>
+        <p:style>
+          <a:lnRef idx="1">
+            <a:schemeClr val="accent1"/>
+          </a:lnRef>
+          <a:fillRef idx="0">
+            <a:schemeClr val="accent1"/>
+          </a:fillRef>
+          <a:effectRef idx="0">
+            <a:schemeClr val="accent1"/>
+          </a:effectRef>
+          <a:fontRef idx="minor">
+            <a:schemeClr val="tx1"/>
+          </a:fontRef>
+        </p:style>
+      </p:cxnSp>
+      <p:cxnSp>
+        <p:nvCxnSpPr>
+          <p:cNvPr id="25" name="直接箭头连接符 24">
+            <a:extLst>
+              <a:ext uri="{FF2B5EF4-FFF2-40B4-BE49-F238E27FC236}">
+                <a16:creationId xmlns:a16="http://schemas.microsoft.com/office/drawing/2014/main" id="{F90FA1CF-986E-44CA-8EE2-49250A90D76C}"/>
+              </a:ext>
+            </a:extLst>
+          </p:cNvPr>
+          <p:cNvCxnSpPr>
+            <a:cxnSpLocks/>
+          </p:cNvCxnSpPr>
+          <p:nvPr/>
+        </p:nvCxnSpPr>
+        <p:spPr>
+          <a:xfrm flipV="1">
+            <a:off x="6935969" y="2008064"/>
+            <a:ext cx="1614142" cy="2620652"/>
+          </a:xfrm>
+          <a:prstGeom prst="straightConnector1">
+            <a:avLst/>
+          </a:prstGeom>
+          <a:ln w="38100">
+            <a:solidFill>
+              <a:schemeClr val="tx1"/>
+            </a:solidFill>
+            <a:tailEnd type="triangle"/>
+          </a:ln>
+        </p:spPr>
+        <p:style>
+          <a:lnRef idx="1">
+            <a:schemeClr val="accent1"/>
+          </a:lnRef>
+          <a:fillRef idx="0">
+            <a:schemeClr val="accent1"/>
+          </a:fillRef>
+          <a:effectRef idx="0">
+            <a:schemeClr val="accent1"/>
+          </a:effectRef>
+          <a:fontRef idx="minor">
+            <a:schemeClr val="tx1"/>
+          </a:fontRef>
+        </p:style>
+      </p:cxnSp>
+      <p:sp>
+        <p:nvSpPr>
+          <p:cNvPr id="26" name="矩形 25">
+            <a:extLst>
+              <a:ext uri="{FF2B5EF4-FFF2-40B4-BE49-F238E27FC236}">
+                <a16:creationId xmlns:a16="http://schemas.microsoft.com/office/drawing/2014/main" id="{DCB8C0EC-B907-4368-B8FB-89FD5622435D}"/>
+              </a:ext>
+            </a:extLst>
+          </p:cNvPr>
+          <p:cNvSpPr/>
+          <p:nvPr/>
+        </p:nvSpPr>
+        <p:spPr>
+          <a:xfrm>
+            <a:off x="9012031" y="3179189"/>
+            <a:ext cx="1941921" cy="499621"/>
+          </a:xfrm>
+          <a:prstGeom prst="rect">
+            <a:avLst/>
+          </a:prstGeom>
+          <a:solidFill>
+            <a:schemeClr val="accent2"/>
+          </a:solidFill>
+        </p:spPr>
+        <p:style>
+          <a:lnRef idx="2">
+            <a:schemeClr val="accent1">
+              <a:shade val="50000"/>
+            </a:schemeClr>
+          </a:lnRef>
+          <a:fillRef idx="1">
+            <a:schemeClr val="accent1"/>
+          </a:fillRef>
+          <a:effectRef idx="0">
+            <a:schemeClr val="accent1"/>
+          </a:effectRef>
+          <a:fontRef idx="minor">
+            <a:schemeClr val="lt1"/>
+          </a:fontRef>
+        </p:style>
+        <p:txBody>
+          <a:bodyPr rtlCol="0" anchor="ctr"/>
+          <a:lstStyle/>
+          <a:p>
+            <a:pPr algn="ctr"/>
+            <a:r>
+              <a:rPr lang="zh-CN" altLang="en-US"/>
+              <a:t>垃圾</a:t>
+            </a:r>
+          </a:p>
+        </p:txBody>
+      </p:sp>
+    </p:spTree>
+    <p:extLst>
+      <p:ext uri="{BB962C8B-B14F-4D97-AF65-F5344CB8AC3E}">
+        <p14:creationId xmlns:p14="http://schemas.microsoft.com/office/powerpoint/2010/main" val="727270416"/>
+      </p:ext>
+    </p:extLst>
+  </p:cSld>
+  <p:clrMapOvr>
+    <a:masterClrMapping/>
+  </p:clrMapOvr>
+</p:sld>
+</file>
+
+<file path=ppt/slides/slide8.xml><?xml version="1.0" encoding="utf-8"?>
+<p:sld xmlns:a="http://schemas.openxmlformats.org/drawingml/2006/main" xmlns:r="http://schemas.openxmlformats.org/officeDocument/2006/relationships" xmlns:p="http://schemas.openxmlformats.org/presentationml/2006/main">
+  <p:cSld>
+    <p:spTree>
+      <p:nvGrpSpPr>
+        <p:cNvPr id="1" name=""/>
+        <p:cNvGrpSpPr/>
+        <p:nvPr/>
+      </p:nvGrpSpPr>
+      <p:grpSpPr>
+        <a:xfrm>
+          <a:off x="0" y="0"/>
+          <a:ext cx="0" cy="0"/>
+          <a:chOff x="0" y="0"/>
+          <a:chExt cx="0" cy="0"/>
+        </a:xfrm>
+      </p:grpSpPr>
+      <p:sp>
+        <p:nvSpPr>
+          <p:cNvPr id="5" name="文本框 4">
+            <a:extLst>
+              <a:ext uri="{FF2B5EF4-FFF2-40B4-BE49-F238E27FC236}">
+                <a16:creationId xmlns:a16="http://schemas.microsoft.com/office/drawing/2014/main" id="{3522E5E6-A91D-4291-BBF7-5D824CB61265}"/>
+              </a:ext>
+            </a:extLst>
+          </p:cNvPr>
+          <p:cNvSpPr txBox="1"/>
+          <p:nvPr/>
+        </p:nvSpPr>
+        <p:spPr>
+          <a:xfrm>
+            <a:off x="823274" y="1423289"/>
+            <a:ext cx="1593128" cy="584775"/>
+          </a:xfrm>
+          <a:prstGeom prst="rect">
+            <a:avLst/>
+          </a:prstGeom>
+          <a:noFill/>
+        </p:spPr>
+        <p:txBody>
+          <a:bodyPr wrap="square" rtlCol="0">
+            <a:spAutoFit/>
+          </a:bodyPr>
+          <a:lstStyle/>
+          <a:p>
+            <a:pPr algn="ctr"/>
+            <a:r>
+              <a:rPr lang="en-US" altLang="zh-CN" sz="3200"/>
+              <a:t>item</a:t>
+            </a:r>
+            <a:endParaRPr lang="zh-CN" altLang="en-US" sz="3200"/>
+          </a:p>
+        </p:txBody>
+      </p:sp>
+      <p:cxnSp>
+        <p:nvCxnSpPr>
+          <p:cNvPr id="13" name="直接箭头连接符 12">
+            <a:extLst>
+              <a:ext uri="{FF2B5EF4-FFF2-40B4-BE49-F238E27FC236}">
+                <a16:creationId xmlns:a16="http://schemas.microsoft.com/office/drawing/2014/main" id="{CBA93C51-7429-4897-AAD7-6CAD879D43A3}"/>
+              </a:ext>
+            </a:extLst>
+          </p:cNvPr>
+          <p:cNvCxnSpPr>
+            <a:cxnSpLocks/>
+          </p:cNvCxnSpPr>
+          <p:nvPr/>
+        </p:nvCxnSpPr>
+        <p:spPr>
+          <a:xfrm flipV="1">
+            <a:off x="2184859" y="1630837"/>
+            <a:ext cx="2622811" cy="84839"/>
+          </a:xfrm>
+          <a:prstGeom prst="straightConnector1">
+            <a:avLst/>
+          </a:prstGeom>
+          <a:ln w="38100">
+            <a:solidFill>
+              <a:schemeClr val="tx1"/>
+            </a:solidFill>
+            <a:tailEnd type="triangle"/>
+          </a:ln>
+        </p:spPr>
+        <p:style>
+          <a:lnRef idx="1">
+            <a:schemeClr val="accent1"/>
+          </a:lnRef>
+          <a:fillRef idx="0">
+            <a:schemeClr val="accent1"/>
+          </a:fillRef>
+          <a:effectRef idx="0">
+            <a:schemeClr val="accent1"/>
+          </a:effectRef>
+          <a:fontRef idx="minor">
+            <a:schemeClr val="tx1"/>
+          </a:fontRef>
+        </p:style>
+      </p:cxnSp>
+      <p:sp>
+        <p:nvSpPr>
+          <p:cNvPr id="14" name="矩形 13">
+            <a:extLst>
+              <a:ext uri="{FF2B5EF4-FFF2-40B4-BE49-F238E27FC236}">
+                <a16:creationId xmlns:a16="http://schemas.microsoft.com/office/drawing/2014/main" id="{28695129-9599-46E2-A448-5DB04DB47EBC}"/>
+              </a:ext>
+            </a:extLst>
+          </p:cNvPr>
+          <p:cNvSpPr/>
+          <p:nvPr/>
+        </p:nvSpPr>
+        <p:spPr>
+          <a:xfrm>
+            <a:off x="4923939" y="707009"/>
+            <a:ext cx="2551517" cy="2017337"/>
+          </a:xfrm>
+          <a:prstGeom prst="rect">
+            <a:avLst/>
+          </a:prstGeom>
+        </p:spPr>
+        <p:style>
+          <a:lnRef idx="2">
+            <a:schemeClr val="accent1">
+              <a:shade val="50000"/>
+            </a:schemeClr>
+          </a:lnRef>
+          <a:fillRef idx="1">
+            <a:schemeClr val="accent1"/>
+          </a:fillRef>
+          <a:effectRef idx="0">
+            <a:schemeClr val="accent1"/>
+          </a:effectRef>
+          <a:fontRef idx="minor">
+            <a:schemeClr val="lt1"/>
+          </a:fontRef>
+        </p:style>
+        <p:txBody>
+          <a:bodyPr rtlCol="0" anchor="ctr"/>
+          <a:lstStyle/>
+          <a:p>
+            <a:pPr algn="ctr"/>
+            <a:r>
+              <a:rPr lang="en-US" altLang="zh-CN" sz="2400"/>
+              <a:t>name: ”foo”</a:t>
+            </a:r>
+          </a:p>
+          <a:p>
+            <a:pPr algn="ctr"/>
+            <a:r>
+              <a:rPr lang="en-US" altLang="zh-CN" sz="2400"/>
+              <a:t>parent</a:t>
+            </a:r>
+          </a:p>
+          <a:p>
+            <a:pPr algn="ctr"/>
+            <a:r>
+              <a:rPr lang="en-US" altLang="zh-CN" sz="2400"/>
+              <a:t>child</a:t>
+            </a:r>
+            <a:endParaRPr lang="zh-CN" altLang="en-US" sz="2400"/>
+          </a:p>
+        </p:txBody>
+      </p:sp>
+      <p:sp>
+        <p:nvSpPr>
+          <p:cNvPr id="17" name="矩形 16">
+            <a:extLst>
+              <a:ext uri="{FF2B5EF4-FFF2-40B4-BE49-F238E27FC236}">
+                <a16:creationId xmlns:a16="http://schemas.microsoft.com/office/drawing/2014/main" id="{A4071C30-EC49-44F5-A0B7-40958071B06A}"/>
+              </a:ext>
+            </a:extLst>
+          </p:cNvPr>
+          <p:cNvSpPr/>
+          <p:nvPr/>
+        </p:nvSpPr>
+        <p:spPr>
+          <a:xfrm>
+            <a:off x="8524978" y="707009"/>
+            <a:ext cx="2551517" cy="2017337"/>
+          </a:xfrm>
+          <a:prstGeom prst="rect">
+            <a:avLst/>
+          </a:prstGeom>
+        </p:spPr>
+        <p:style>
+          <a:lnRef idx="2">
+            <a:schemeClr val="accent1">
+              <a:shade val="50000"/>
+            </a:schemeClr>
+          </a:lnRef>
+          <a:fillRef idx="1">
+            <a:schemeClr val="accent1"/>
+          </a:fillRef>
+          <a:effectRef idx="0">
+            <a:schemeClr val="accent1"/>
+          </a:effectRef>
+          <a:fontRef idx="minor">
+            <a:schemeClr val="lt1"/>
+          </a:fontRef>
+        </p:style>
+        <p:txBody>
+          <a:bodyPr rtlCol="0" anchor="ctr"/>
+          <a:lstStyle/>
+          <a:p>
+            <a:pPr algn="ctr"/>
+            <a:r>
+              <a:rPr lang="en-US" altLang="zh-CN" sz="2400"/>
+              <a:t>name: ”bar”</a:t>
+            </a:r>
+          </a:p>
+        </p:txBody>
+      </p:sp>
+      <p:cxnSp>
+        <p:nvCxnSpPr>
+          <p:cNvPr id="19" name="直接箭头连接符 18">
+            <a:extLst>
+              <a:ext uri="{FF2B5EF4-FFF2-40B4-BE49-F238E27FC236}">
+                <a16:creationId xmlns:a16="http://schemas.microsoft.com/office/drawing/2014/main" id="{3ADC260A-DBC5-46AF-B864-1E27223FAD5A}"/>
+              </a:ext>
+            </a:extLst>
+          </p:cNvPr>
+          <p:cNvCxnSpPr>
+            <a:cxnSpLocks/>
+          </p:cNvCxnSpPr>
+          <p:nvPr/>
+        </p:nvCxnSpPr>
+        <p:spPr>
+          <a:xfrm>
+            <a:off x="6612119" y="1828800"/>
+            <a:ext cx="278875" cy="1791091"/>
+          </a:xfrm>
+          <a:prstGeom prst="straightConnector1">
+            <a:avLst/>
+          </a:prstGeom>
+          <a:ln w="38100">
+            <a:solidFill>
+              <a:schemeClr val="tx1"/>
+            </a:solidFill>
+            <a:tailEnd type="triangle"/>
+          </a:ln>
+        </p:spPr>
+        <p:style>
+          <a:lnRef idx="1">
+            <a:schemeClr val="accent1"/>
+          </a:lnRef>
+          <a:fillRef idx="0">
+            <a:schemeClr val="accent1"/>
+          </a:fillRef>
+          <a:effectRef idx="0">
+            <a:schemeClr val="accent1"/>
+          </a:effectRef>
+          <a:fontRef idx="minor">
+            <a:schemeClr val="tx1"/>
+          </a:fontRef>
+        </p:style>
+      </p:cxnSp>
+      <p:sp>
+        <p:nvSpPr>
+          <p:cNvPr id="20" name="矩形 19">
+            <a:extLst>
+              <a:ext uri="{FF2B5EF4-FFF2-40B4-BE49-F238E27FC236}">
+                <a16:creationId xmlns:a16="http://schemas.microsoft.com/office/drawing/2014/main" id="{23FD8860-FB70-4392-83CB-91AF6EAFBA03}"/>
+              </a:ext>
+            </a:extLst>
+          </p:cNvPr>
+          <p:cNvSpPr/>
+          <p:nvPr/>
+        </p:nvSpPr>
+        <p:spPr>
+          <a:xfrm>
+            <a:off x="5004066" y="3619891"/>
+            <a:ext cx="2551517" cy="2017337"/>
+          </a:xfrm>
+          <a:prstGeom prst="rect">
+            <a:avLst/>
+          </a:prstGeom>
+        </p:spPr>
+        <p:style>
+          <a:lnRef idx="2">
+            <a:schemeClr val="accent1">
+              <a:shade val="50000"/>
+            </a:schemeClr>
+          </a:lnRef>
+          <a:fillRef idx="1">
+            <a:schemeClr val="accent1"/>
+          </a:fillRef>
+          <a:effectRef idx="0">
+            <a:schemeClr val="accent1"/>
+          </a:effectRef>
+          <a:fontRef idx="minor">
+            <a:schemeClr val="lt1"/>
+          </a:fontRef>
+        </p:style>
+        <p:txBody>
+          <a:bodyPr rtlCol="0" anchor="ctr"/>
+          <a:lstStyle/>
+          <a:p>
+            <a:pPr algn="ctr"/>
+            <a:r>
+              <a:rPr lang="en-US" altLang="zh-CN" sz="2400"/>
+              <a:t>name: ”goo”</a:t>
+            </a:r>
+          </a:p>
+        </p:txBody>
+      </p:sp>
+      <p:cxnSp>
+        <p:nvCxnSpPr>
+          <p:cNvPr id="22" name="直接箭头连接符 21">
+            <a:extLst>
+              <a:ext uri="{FF2B5EF4-FFF2-40B4-BE49-F238E27FC236}">
+                <a16:creationId xmlns:a16="http://schemas.microsoft.com/office/drawing/2014/main" id="{D0207F00-8D66-44A1-8E78-4172E0341E6A}"/>
+              </a:ext>
+            </a:extLst>
+          </p:cNvPr>
+          <p:cNvCxnSpPr>
+            <a:cxnSpLocks/>
+          </p:cNvCxnSpPr>
+          <p:nvPr/>
+        </p:nvCxnSpPr>
+        <p:spPr>
+          <a:xfrm flipV="1">
+            <a:off x="6532775" y="1913642"/>
+            <a:ext cx="1844511" cy="230954"/>
+          </a:xfrm>
+          <a:prstGeom prst="straightConnector1">
+            <a:avLst/>
+          </a:prstGeom>
+          <a:ln w="38100">
+            <a:solidFill>
+              <a:schemeClr val="tx1"/>
+            </a:solidFill>
+            <a:tailEnd type="triangle"/>
+          </a:ln>
+        </p:spPr>
+        <p:style>
+          <a:lnRef idx="1">
+            <a:schemeClr val="accent1"/>
+          </a:lnRef>
+          <a:fillRef idx="0">
+            <a:schemeClr val="accent1"/>
+          </a:fillRef>
+          <a:effectRef idx="0">
+            <a:schemeClr val="accent1"/>
+          </a:effectRef>
+          <a:fontRef idx="minor">
+            <a:schemeClr val="tx1"/>
+          </a:fontRef>
+        </p:style>
+      </p:cxnSp>
+      <p:sp>
+        <p:nvSpPr>
+          <p:cNvPr id="23" name="文本框 22">
+            <a:extLst>
+              <a:ext uri="{FF2B5EF4-FFF2-40B4-BE49-F238E27FC236}">
+                <a16:creationId xmlns:a16="http://schemas.microsoft.com/office/drawing/2014/main" id="{66413763-E648-430C-9981-BC7CD749A780}"/>
+              </a:ext>
+            </a:extLst>
+          </p:cNvPr>
+          <p:cNvSpPr txBox="1"/>
+          <p:nvPr/>
+        </p:nvSpPr>
+        <p:spPr>
+          <a:xfrm>
+            <a:off x="9279118" y="4213623"/>
+            <a:ext cx="1593128" cy="584775"/>
+          </a:xfrm>
+          <a:prstGeom prst="rect">
+            <a:avLst/>
+          </a:prstGeom>
+          <a:noFill/>
+        </p:spPr>
+        <p:txBody>
+          <a:bodyPr wrap="square" rtlCol="0">
+            <a:spAutoFit/>
+          </a:bodyPr>
+          <a:lstStyle/>
+          <a:p>
+            <a:pPr algn="ctr"/>
+            <a:r>
+              <a:rPr lang="en-US" altLang="zh-CN" sz="3200"/>
+              <a:t>temp</a:t>
+            </a:r>
+            <a:endParaRPr lang="zh-CN" altLang="en-US" sz="3200"/>
+          </a:p>
+        </p:txBody>
+      </p:sp>
+      <p:cxnSp>
+        <p:nvCxnSpPr>
+          <p:cNvPr id="27" name="直接箭头连接符 26">
+            <a:extLst>
+              <a:ext uri="{FF2B5EF4-FFF2-40B4-BE49-F238E27FC236}">
+                <a16:creationId xmlns:a16="http://schemas.microsoft.com/office/drawing/2014/main" id="{DD92F096-9A59-4A4B-870E-801D0D35499D}"/>
+              </a:ext>
+            </a:extLst>
+          </p:cNvPr>
+          <p:cNvCxnSpPr>
+            <a:cxnSpLocks/>
+          </p:cNvCxnSpPr>
+          <p:nvPr/>
+        </p:nvCxnSpPr>
+        <p:spPr>
+          <a:xfrm flipH="1" flipV="1">
+            <a:off x="9800736" y="2818614"/>
+            <a:ext cx="274946" cy="1395010"/>
+          </a:xfrm>
+          <a:prstGeom prst="straightConnector1">
+            <a:avLst/>
+          </a:prstGeom>
+          <a:ln w="38100">
+            <a:solidFill>
+              <a:schemeClr val="tx1"/>
+            </a:solidFill>
+            <a:tailEnd type="triangle"/>
+          </a:ln>
+        </p:spPr>
+        <p:style>
+          <a:lnRef idx="1">
+            <a:schemeClr val="accent1"/>
+          </a:lnRef>
+          <a:fillRef idx="0">
+            <a:schemeClr val="accent1"/>
+          </a:fillRef>
+          <a:effectRef idx="0">
+            <a:schemeClr val="accent1"/>
+          </a:effectRef>
+          <a:fontRef idx="minor">
+            <a:schemeClr val="tx1"/>
+          </a:fontRef>
+        </p:style>
+      </p:cxnSp>
+    </p:spTree>
+    <p:extLst>
+      <p:ext uri="{BB962C8B-B14F-4D97-AF65-F5344CB8AC3E}">
+        <p14:creationId xmlns:p14="http://schemas.microsoft.com/office/powerpoint/2010/main" val="4206972812"/>
+      </p:ext>
+    </p:extLst>
+  </p:cSld>
+  <p:clrMapOvr>
+    <a:masterClrMapping/>
+  </p:clrMapOvr>
+</p:sld>
+</file>
+
 <file path=ppt/theme/theme1.xml><?xml version="1.0" encoding="utf-8"?>
 <a:theme xmlns:a="http://schemas.openxmlformats.org/drawingml/2006/main" name="Office 主题​​">
   <a:themeElements>
